--- a/slides/2016-03-29 ULFM-Sessions.pptx
+++ b/slides/2016-03-29 ULFM-Sessions.pptx
@@ -107,6 +107,11 @@
       </a:defRPr>
     </a:lvl9pPr>
   </p:defaultTextStyle>
+  <p:extLst>
+    <p:ext uri="{EFAFB233-063F-42B5-8137-9DF3F51BA10A}">
+      <p15:sldGuideLst xmlns:p15="http://schemas.microsoft.com/office/powerpoint/2012/main"/>
+    </p:ext>
+  </p:extLst>
 </p:presentation>
 </file>
 
@@ -3082,12 +3087,12 @@
               <a:t>Allow sets to be dynamic and </a:t>
             </a:r>
             <a:r>
-              <a:rPr lang="en-US" dirty="0" err="1" smtClean="0"/>
-              <a:t>gorw</a:t>
-            </a:r>
-            <a:r>
               <a:rPr lang="en-US" dirty="0" smtClean="0"/>
-              <a:t>/shrink as processes come and go</a:t>
+              <a:t>grow/shrink </a:t>
+            </a:r>
+            <a:r>
+              <a:rPr lang="en-US" dirty="0" smtClean="0"/>
+              <a:t>as processes come and go</a:t>
             </a:r>
           </a:p>
           <a:p>
@@ -3217,6 +3222,50 @@
             <a:r>
               <a:rPr lang="en-US" dirty="0" smtClean="0"/>
               <a:t>Sets themselves don’t have to be dynamic to support this, but the runtime still needs to detect failures</a:t>
+            </a:r>
+            <a:endParaRPr lang="en-US" dirty="0"/>
+          </a:p>
+        </p:txBody>
+      </p:sp>
+      <p:sp>
+        <p:nvSpPr>
+          <p:cNvPr id="4" name="Rectangle 3"/>
+          <p:cNvSpPr/>
+          <p:nvPr/>
+        </p:nvSpPr>
+        <p:spPr>
+          <a:xfrm>
+            <a:off x="8389856" y="518474"/>
+            <a:ext cx="3054284" cy="1489435"/>
+          </a:xfrm>
+          <a:prstGeom prst="rect">
+            <a:avLst/>
+          </a:prstGeom>
+        </p:spPr>
+        <p:style>
+          <a:lnRef idx="2">
+            <a:schemeClr val="accent2">
+              <a:shade val="50000"/>
+            </a:schemeClr>
+          </a:lnRef>
+          <a:fillRef idx="1">
+            <a:schemeClr val="accent2"/>
+          </a:fillRef>
+          <a:effectRef idx="0">
+            <a:schemeClr val="accent2"/>
+          </a:effectRef>
+          <a:fontRef idx="minor">
+            <a:schemeClr val="lt1"/>
+          </a:fontRef>
+        </p:style>
+        <p:txBody>
+          <a:bodyPr rtlCol="0" anchor="ctr"/>
+          <a:lstStyle/>
+          <a:p>
+            <a:pPr algn="ctr"/>
+            <a:r>
+              <a:rPr lang="en-US" dirty="0" smtClean="0"/>
+              <a:t>Dynamic sets adds a lot of internal state tracking, synchronization, etc. that would add overhead to the implementation.</a:t>
             </a:r>
             <a:endParaRPr lang="en-US" dirty="0"/>
           </a:p>
